--- a/1HUST-Theme-PPT/v1扁平16-9.pptx
+++ b/1HUST-Theme-PPT/v1扁平16-9.pptx
@@ -205,7 +205,7 @@
           <a:p>
             <a:fld id="{BDA51940-DB52-3B48-AABB-9C7938529E4E}" type="datetimeFigureOut">
               <a:rPr kumimoji="1" lang="zh-CN" altLang="en-US" smtClean="0"/>
-              <a:t>2026/1/18</a:t>
+              <a:t>2026/1/21</a:t>
             </a:fld>
             <a:endParaRPr kumimoji="1" lang="zh-CN" altLang="en-US"/>
           </a:p>
@@ -944,7 +944,7 @@
             </a:pPr>
             <a:fld id="{E4551058-E5DB-324A-A8E9-6D3BEF243C3B}" type="datetimeFigureOut">
               <a:rPr kumimoji="1" lang="zh-CN" altLang="en-US" smtClean="0"/>
-              <a:t>2026/1/18</a:t>
+              <a:t>2026/1/21</a:t>
             </a:fld>
             <a:endParaRPr kumimoji="1" lang="zh-CN" altLang="en-US"/>
           </a:p>
@@ -1383,7 +1383,7 @@
             </a:pPr>
             <a:fld id="{E4551058-E5DB-324A-A8E9-6D3BEF243C3B}" type="datetimeFigureOut">
               <a:rPr kumimoji="1" lang="zh-CN" altLang="en-US" smtClean="0"/>
-              <a:t>2026/1/18</a:t>
+              <a:t>2026/1/21</a:t>
             </a:fld>
             <a:endParaRPr kumimoji="1" lang="zh-CN" altLang="en-US"/>
           </a:p>
@@ -1620,7 +1620,7 @@
             </a:pPr>
             <a:fld id="{E4551058-E5DB-324A-A8E9-6D3BEF243C3B}" type="datetimeFigureOut">
               <a:rPr kumimoji="1" lang="zh-CN" altLang="en-US" smtClean="0"/>
-              <a:t>2026/1/18</a:t>
+              <a:t>2026/1/21</a:t>
             </a:fld>
             <a:endParaRPr kumimoji="1" lang="zh-CN" altLang="en-US"/>
           </a:p>
@@ -1996,7 +1996,7 @@
             </a:pPr>
             <a:fld id="{E4551058-E5DB-324A-A8E9-6D3BEF243C3B}" type="datetimeFigureOut">
               <a:rPr kumimoji="1" lang="zh-CN" altLang="en-US" smtClean="0"/>
-              <a:t>2026/1/18</a:t>
+              <a:t>2026/1/21</a:t>
             </a:fld>
             <a:endParaRPr kumimoji="1" lang="zh-CN" altLang="en-US"/>
           </a:p>
@@ -2142,7 +2142,7 @@
             </a:pPr>
             <a:fld id="{E4551058-E5DB-324A-A8E9-6D3BEF243C3B}" type="datetimeFigureOut">
               <a:rPr kumimoji="1" lang="zh-CN" altLang="en-US" smtClean="0"/>
-              <a:t>2026/1/18</a:t>
+              <a:t>2026/1/21</a:t>
             </a:fld>
             <a:endParaRPr kumimoji="1" lang="zh-CN" altLang="en-US"/>
           </a:p>
@@ -2548,7 +2548,7 @@
             </a:pPr>
             <a:fld id="{E4551058-E5DB-324A-A8E9-6D3BEF243C3B}" type="datetimeFigureOut">
               <a:rPr kumimoji="1" lang="zh-CN" altLang="en-US" smtClean="0"/>
-              <a:t>2026/1/18</a:t>
+              <a:t>2026/1/21</a:t>
             </a:fld>
             <a:endParaRPr kumimoji="1" lang="zh-CN" altLang="en-US"/>
           </a:p>
@@ -3084,7 +3084,7 @@
             </a:pPr>
             <a:fld id="{E4551058-E5DB-324A-A8E9-6D3BEF243C3B}" type="datetimeFigureOut">
               <a:rPr kumimoji="1" lang="zh-CN" altLang="en-US" smtClean="0"/>
-              <a:t>2026/1/18</a:t>
+              <a:t>2026/1/21</a:t>
             </a:fld>
             <a:endParaRPr kumimoji="1" lang="zh-CN" altLang="en-US"/>
           </a:p>
@@ -3471,7 +3471,7 @@
             </a:pPr>
             <a:fld id="{E4551058-E5DB-324A-A8E9-6D3BEF243C3B}" type="datetimeFigureOut">
               <a:rPr kumimoji="1" lang="zh-CN" altLang="en-US" smtClean="0"/>
-              <a:t>2026/1/18</a:t>
+              <a:t>2026/1/21</a:t>
             </a:fld>
             <a:endParaRPr kumimoji="1" lang="zh-CN" altLang="en-US"/>
           </a:p>
@@ -3994,7 +3994,7 @@
             </a:pPr>
             <a:fld id="{E4551058-E5DB-324A-A8E9-6D3BEF243C3B}" type="datetimeFigureOut">
               <a:rPr kumimoji="1" lang="zh-CN" altLang="en-US" smtClean="0"/>
-              <a:t>2026/1/18</a:t>
+              <a:t>2026/1/21</a:t>
             </a:fld>
             <a:endParaRPr kumimoji="1" lang="zh-CN" altLang="en-US"/>
           </a:p>
@@ -4161,7 +4161,7 @@
             </a:pPr>
             <a:fld id="{E4551058-E5DB-324A-A8E9-6D3BEF243C3B}" type="datetimeFigureOut">
               <a:rPr kumimoji="1" lang="zh-CN" altLang="en-US" smtClean="0"/>
-              <a:t>2026/1/18</a:t>
+              <a:t>2026/1/21</a:t>
             </a:fld>
             <a:endParaRPr kumimoji="1" lang="zh-CN" altLang="en-US"/>
           </a:p>
@@ -4328,7 +4328,7 @@
             </a:pPr>
             <a:fld id="{E4551058-E5DB-324A-A8E9-6D3BEF243C3B}" type="datetimeFigureOut">
               <a:rPr kumimoji="1" lang="zh-CN" altLang="en-US" smtClean="0"/>
-              <a:t>2026/1/18</a:t>
+              <a:t>2026/1/21</a:t>
             </a:fld>
             <a:endParaRPr kumimoji="1" lang="zh-CN" altLang="en-US"/>
           </a:p>
@@ -4682,7 +4682,7 @@
             </a:pPr>
             <a:fld id="{E4551058-E5DB-324A-A8E9-6D3BEF243C3B}" type="datetimeFigureOut">
               <a:rPr kumimoji="1" lang="zh-CN" altLang="en-US" smtClean="0"/>
-              <a:t>2026/1/18</a:t>
+              <a:t>2026/1/21</a:t>
             </a:fld>
             <a:endParaRPr kumimoji="1" lang="zh-CN" altLang="en-US"/>
           </a:p>
@@ -5082,7 +5082,7 @@
             </a:pPr>
             <a:fld id="{E4551058-E5DB-324A-A8E9-6D3BEF243C3B}" type="datetimeFigureOut">
               <a:rPr kumimoji="1" lang="zh-CN" altLang="en-US" smtClean="0"/>
-              <a:t>2026/1/18</a:t>
+              <a:t>2026/1/21</a:t>
             </a:fld>
             <a:endParaRPr kumimoji="1" lang="zh-CN" altLang="en-US"/>
           </a:p>
@@ -5765,7 +5765,7 @@
             <a:ext cx="10265664" cy="1340999"/>
           </a:xfrm>
           <a:ln>
-            <a:solidFill/>
+            <a:noFill/>
           </a:ln>
         </p:spPr>
         <p:txBody>
@@ -5868,7 +5868,7 @@
             <a:ext cx="10265664" cy="1325563"/>
           </a:xfrm>
           <a:ln>
-            <a:solidFill/>
+            <a:noFill/>
           </a:ln>
         </p:spPr>
         <p:txBody>
@@ -5975,7 +5975,7 @@
             <a:ext cx="10178926" cy="3602477"/>
           </a:xfrm>
           <a:ln>
-            <a:solidFill/>
+            <a:noFill/>
           </a:ln>
         </p:spPr>
         <p:txBody>
@@ -6060,7 +6060,7 @@
             <a:ext cx="10178925" cy="1351451"/>
           </a:xfrm>
           <a:ln>
-            <a:solidFill/>
+            <a:noFill/>
           </a:ln>
         </p:spPr>
         <p:txBody>
@@ -6139,7 +6139,7 @@
             <a:ext cx="10515600" cy="3682546"/>
           </a:xfrm>
           <a:ln>
-            <a:solidFill/>
+            <a:noFill/>
           </a:ln>
         </p:spPr>
         <p:txBody>
@@ -6322,7 +6322,7 @@
             <a:ext cx="10515600" cy="1325563"/>
           </a:xfrm>
           <a:ln>
-            <a:solidFill/>
+            <a:noFill/>
           </a:ln>
         </p:spPr>
         <p:txBody>
@@ -6401,7 +6401,7 @@
             <a:ext cx="5087075" cy="536005"/>
           </a:xfrm>
           <a:ln>
-            <a:solidFill/>
+            <a:noFill/>
           </a:ln>
         </p:spPr>
         <p:txBody>
@@ -6445,7 +6445,7 @@
             <a:ext cx="5393100" cy="2934999"/>
           </a:xfrm>
           <a:ln>
-            <a:solidFill/>
+            <a:noFill/>
           </a:ln>
         </p:spPr>
         <p:txBody>
@@ -6562,7 +6562,7 @@
             <a:ext cx="5087073" cy="553373"/>
           </a:xfrm>
           <a:ln>
-            <a:solidFill/>
+            <a:noFill/>
           </a:ln>
         </p:spPr>
         <p:txBody>
@@ -6606,7 +6606,7 @@
             <a:ext cx="5393100" cy="2934999"/>
           </a:xfrm>
           <a:ln>
-            <a:solidFill/>
+            <a:noFill/>
           </a:ln>
         </p:spPr>
         <p:txBody>
@@ -6788,7 +6788,7 @@
             <a:ext cx="10515600" cy="1325563"/>
           </a:xfrm>
           <a:ln>
-            <a:solidFill/>
+            <a:noFill/>
           </a:ln>
         </p:spPr>
         <p:txBody>
@@ -6868,7 +6868,7 @@
             <a:ext cx="11029616" cy="566738"/>
           </a:xfrm>
           <a:ln>
-            <a:solidFill/>
+            <a:noFill/>
           </a:ln>
         </p:spPr>
         <p:txBody>
@@ -6911,7 +6911,7 @@
             <a:ext cx="11029617" cy="598671"/>
           </a:xfrm>
           <a:ln>
-            <a:solidFill/>
+            <a:noFill/>
           </a:ln>
         </p:spPr>
         <p:txBody>
@@ -6990,7 +6990,7 @@
             <a:ext cx="10265664" cy="1340999"/>
           </a:xfrm>
           <a:ln>
-            <a:solidFill/>
+            <a:noFill/>
           </a:ln>
         </p:spPr>
         <p:txBody>
@@ -7040,7 +7040,7 @@
             <a:ext cx="10265664" cy="1556843"/>
           </a:xfrm>
           <a:ln>
-            <a:solidFill/>
+            <a:noFill/>
           </a:ln>
         </p:spPr>
         <p:txBody>
@@ -7277,7 +7277,7 @@
             <a:ext cx="1899496" cy="5183073"/>
           </a:xfrm>
           <a:ln>
-            <a:solidFill/>
+            <a:noFill/>
           </a:ln>
         </p:spPr>
         <p:txBody>
@@ -7320,7 +7320,7 @@
             <a:ext cx="7791611" cy="5183073"/>
           </a:xfrm>
           <a:ln>
-            <a:solidFill/>
+            <a:noFill/>
           </a:ln>
         </p:spPr>
         <p:txBody>
@@ -7413,7 +7413,7 @@
             <a:ext cx="10265664" cy="1340999"/>
           </a:xfrm>
           <a:ln>
-            <a:solidFill/>
+            <a:noFill/>
           </a:ln>
         </p:spPr>
         <p:txBody>
@@ -7500,7 +7500,7 @@
             <a:ext cx="10265664" cy="1325563"/>
           </a:xfrm>
           <a:ln>
-            <a:solidFill/>
+            <a:noFill/>
           </a:ln>
         </p:spPr>
         <p:txBody>
